--- a/docs/Servlet.pptx
+++ b/docs/Servlet.pptx
@@ -54,14 +54,14 @@
   <p:notesSz cx="6858000" cy="9144000"/>
   <p:embeddedFontLst>
     <p:embeddedFont>
-      <p:font typeface="Consolas" panose="020B0609020204030204" pitchFamily="49" charset="0"/>
+      <p:font typeface="Calibri" panose="020F0502020204030204" pitchFamily="34" charset="0"/>
       <p:regular r:id="rId44"/>
       <p:bold r:id="rId45"/>
       <p:italic r:id="rId46"/>
       <p:boldItalic r:id="rId47"/>
     </p:embeddedFont>
     <p:embeddedFont>
-      <p:font typeface="Calibri" panose="020F0502020204030204" pitchFamily="34" charset="0"/>
+      <p:font typeface="Consolas" panose="020B0609020204030204" pitchFamily="49" charset="0"/>
       <p:regular r:id="rId48"/>
       <p:bold r:id="rId49"/>
       <p:italic r:id="rId50"/>
@@ -15075,7 +15075,7 @@
           <p:cNvPr id="4" name="Picture 2" descr="header-sevlet.png">
             <a:extLst>
               <a:ext uri="{FF2B5EF4-FFF2-40B4-BE49-F238E27FC236}">
-                <a16:creationId xmlns="" xmlns:a16="http://schemas.microsoft.com/office/drawing/2014/main" id="{C0EF7B71-E514-438D-AF9C-93C17F16756D}"/>
+                <a16:creationId xmlns:a16="http://schemas.microsoft.com/office/drawing/2014/main" xmlns="" id="{C0EF7B71-E514-438D-AF9C-93C17F16756D}"/>
               </a:ext>
             </a:extLst>
           </p:cNvPr>
@@ -15741,7 +15741,7 @@
           <p:cNvPr id="4" name="Picture 2" descr="sevlet-session1.png">
             <a:extLst>
               <a:ext uri="{FF2B5EF4-FFF2-40B4-BE49-F238E27FC236}">
-                <a16:creationId xmlns="" xmlns:a16="http://schemas.microsoft.com/office/drawing/2014/main" id="{EF0B9EEF-6AB7-4274-9499-2331359E5C4E}"/>
+                <a16:creationId xmlns:a16="http://schemas.microsoft.com/office/drawing/2014/main" xmlns="" id="{EF0B9EEF-6AB7-4274-9499-2331359E5C4E}"/>
               </a:ext>
             </a:extLst>
           </p:cNvPr>
@@ -15882,26 +15882,51 @@
           </a:p>
           <a:p>
             <a:r>
+              <a:rPr lang="en-US" dirty="0" smtClean="0">
+                <a:hlinkClick r:id="rId4"/>
+              </a:rPr>
+              <a:t>https</a:t>
+            </a:r>
+            <a:r>
               <a:rPr lang="en-US" dirty="0">
                 <a:hlinkClick r:id="rId4"/>
               </a:rPr>
-              <a:t>https://vietjack.com/jsp/index.jsp </a:t>
-            </a:r>
-            <a:endParaRPr lang="vi-VN" smtClean="0"/>
-          </a:p>
-          <a:p>
-            <a:r>
-              <a:rPr lang="en-US" smtClean="0">
-                <a:hlinkClick r:id="rId5"/>
+              <a:t>://</a:t>
+            </a:r>
+            <a:r>
+              <a:rPr lang="en-US" dirty="0" smtClean="0">
+                <a:hlinkClick r:id="rId4"/>
               </a:rPr>
-              <a:t>https</a:t>
-            </a:r>
+              <a:t>javatutorial.net/java-servlet-example</a:t>
+            </a:r>
+            <a:endParaRPr lang="vi-VN" dirty="0" smtClean="0"/>
+          </a:p>
+          <a:p>
+            <a:r>
+              <a:rPr lang="vi-VN" dirty="0" smtClean="0"/>
+              <a:t>Github</a:t>
+            </a:r>
+          </a:p>
+          <a:p>
+            <a:pPr lvl="1"/>
             <a:r>
               <a:rPr lang="en-US" dirty="0">
                 <a:hlinkClick r:id="rId5"/>
               </a:rPr>
-              <a:t>://javatutorial.net/java-servlet-example</a:t>
-            </a:r>
+              <a:t>https://</a:t>
+            </a:r>
+            <a:r>
+              <a:rPr lang="en-US" dirty="0" smtClean="0">
+                <a:hlinkClick r:id="rId5"/>
+              </a:rPr>
+              <a:t>github.com/giaule91/servlet-training.git</a:t>
+            </a:r>
+            <a:endParaRPr lang="vi-VN" dirty="0" smtClean="0"/>
+          </a:p>
+          <a:p>
+            <a:pPr marL="571500" lvl="1" indent="0">
+              <a:buNone/>
+            </a:pPr>
             <a:endParaRPr lang="en-US" dirty="0"/>
           </a:p>
         </p:txBody>
@@ -16488,7 +16513,7 @@
           <p:cNvPr id="4" name="Rectangle 1">
             <a:extLst>
               <a:ext uri="{FF2B5EF4-FFF2-40B4-BE49-F238E27FC236}">
-                <a16:creationId xmlns="" xmlns:a16="http://schemas.microsoft.com/office/drawing/2014/main" id="{9BCD46AE-1B82-4531-82E6-F16A8620517D}"/>
+                <a16:creationId xmlns:a16="http://schemas.microsoft.com/office/drawing/2014/main" xmlns="" id="{9BCD46AE-1B82-4531-82E6-F16A8620517D}"/>
               </a:ext>
             </a:extLst>
           </p:cNvPr>

--- a/docs/Servlet.pptx
+++ b/docs/Servlet.pptx
@@ -54,14 +54,14 @@
   <p:notesSz cx="6858000" cy="9144000"/>
   <p:embeddedFontLst>
     <p:embeddedFont>
-      <p:font typeface="Calibri" panose="020F0502020204030204" pitchFamily="34" charset="0"/>
+      <p:font typeface="Consolas" panose="020B0609020204030204" pitchFamily="49" charset="0"/>
       <p:regular r:id="rId44"/>
       <p:bold r:id="rId45"/>
       <p:italic r:id="rId46"/>
       <p:boldItalic r:id="rId47"/>
     </p:embeddedFont>
     <p:embeddedFont>
-      <p:font typeface="Consolas" panose="020B0609020204030204" pitchFamily="49" charset="0"/>
+      <p:font typeface="Calibri" panose="020F0502020204030204" pitchFamily="34" charset="0"/>
       <p:regular r:id="rId48"/>
       <p:bold r:id="rId49"/>
       <p:italic r:id="rId50"/>
@@ -15075,7 +15075,7 @@
           <p:cNvPr id="4" name="Picture 2" descr="header-sevlet.png">
             <a:extLst>
               <a:ext uri="{FF2B5EF4-FFF2-40B4-BE49-F238E27FC236}">
-                <a16:creationId xmlns:a16="http://schemas.microsoft.com/office/drawing/2014/main" xmlns="" id="{C0EF7B71-E514-438D-AF9C-93C17F16756D}"/>
+                <a16:creationId xmlns="" xmlns:a16="http://schemas.microsoft.com/office/drawing/2014/main" id="{C0EF7B71-E514-438D-AF9C-93C17F16756D}"/>
               </a:ext>
             </a:extLst>
           </p:cNvPr>
@@ -15741,7 +15741,7 @@
           <p:cNvPr id="4" name="Picture 2" descr="sevlet-session1.png">
             <a:extLst>
               <a:ext uri="{FF2B5EF4-FFF2-40B4-BE49-F238E27FC236}">
-                <a16:creationId xmlns:a16="http://schemas.microsoft.com/office/drawing/2014/main" xmlns="" id="{EF0B9EEF-6AB7-4274-9499-2331359E5C4E}"/>
+                <a16:creationId xmlns="" xmlns:a16="http://schemas.microsoft.com/office/drawing/2014/main" id="{EF0B9EEF-6AB7-4274-9499-2331359E5C4E}"/>
               </a:ext>
             </a:extLst>
           </p:cNvPr>
@@ -16513,7 +16513,7 @@
           <p:cNvPr id="4" name="Rectangle 1">
             <a:extLst>
               <a:ext uri="{FF2B5EF4-FFF2-40B4-BE49-F238E27FC236}">
-                <a16:creationId xmlns:a16="http://schemas.microsoft.com/office/drawing/2014/main" xmlns="" id="{9BCD46AE-1B82-4531-82E6-F16A8620517D}"/>
+                <a16:creationId xmlns="" xmlns:a16="http://schemas.microsoft.com/office/drawing/2014/main" id="{9BCD46AE-1B82-4531-82E6-F16A8620517D}"/>
               </a:ext>
             </a:extLst>
           </p:cNvPr>
@@ -20522,12 +20522,31 @@
             </a:pPr>
             <a:r>
               <a:rPr lang="en-US" sz="4400" dirty="0"/>
-              <a:t>Making a Simple CRUD Application Using Java Servlet/JSP</a:t>
-            </a:r>
-          </a:p>
-          <a:p>
-            <a:pPr algn="ctr"/>
-            <a:endParaRPr lang="en-US" sz="4400" dirty="0"/>
+              <a:t>Making a Simple CRUD Application Using Java </a:t>
+            </a:r>
+            <a:r>
+              <a:rPr lang="en-US" sz="4400" dirty="0" smtClean="0"/>
+              <a:t>Servlet/JSP</a:t>
+            </a:r>
+            <a:endParaRPr lang="en-US" sz="1600" dirty="0"/>
+          </a:p>
+          <a:p>
+            <a:pPr marL="95250" indent="0" algn="ctr">
+              <a:buNone/>
+            </a:pPr>
+            <a:endParaRPr lang="vi-VN" sz="4400" dirty="0" smtClean="0"/>
+          </a:p>
+          <a:p>
+            <a:pPr marL="95250" indent="0">
+              <a:buNone/>
+            </a:pPr>
+            <a:r>
+              <a:rPr lang="en-US" sz="1600" dirty="0">
+                <a:hlinkClick r:id="rId2"/>
+              </a:rPr>
+              <a:t>https://github.com/giaule91/servlet-training/tree/master/ProductManagement</a:t>
+            </a:r>
+            <a:endParaRPr lang="en-US" sz="1600" dirty="0"/>
           </a:p>
         </p:txBody>
       </p:sp>
@@ -21023,6 +21042,36 @@
               <a:rPr lang="en-US" b="1" dirty="0" err="1" smtClean="0"/>
               <a:t>Css</a:t>
             </a:r>
+            <a:endParaRPr lang="vi-VN" b="1" dirty="0" smtClean="0"/>
+          </a:p>
+          <a:p>
+            <a:r>
+              <a:rPr lang="vi-VN" b="1" dirty="0" smtClean="0"/>
+              <a:t>Ref</a:t>
+            </a:r>
+            <a:r>
+              <a:rPr lang="vi-VN" dirty="0"/>
+              <a:t>: </a:t>
+            </a:r>
+            <a:r>
+              <a:rPr lang="en-US" dirty="0">
+                <a:hlinkClick r:id="rId2"/>
+              </a:rPr>
+              <a:t>https://</a:t>
+            </a:r>
+            <a:r>
+              <a:rPr lang="en-US" dirty="0" smtClean="0">
+                <a:hlinkClick r:id="rId2"/>
+              </a:rPr>
+              <a:t>www.youtube.com/watch?v=sRd-pu1utiM</a:t>
+            </a:r>
+            <a:endParaRPr lang="vi-VN" dirty="0" smtClean="0"/>
+          </a:p>
+          <a:p>
+            <a:pPr lvl="1"/>
+            <a:endParaRPr lang="vi-VN" dirty="0"/>
+          </a:p>
+          <a:p>
             <a:endParaRPr lang="en-US" dirty="0"/>
           </a:p>
         </p:txBody>
